--- a/Selenium_vs_FAST_Automation.pptx
+++ b/Selenium_vs_FAST_Automation.pptx
@@ -5,15 +5,17 @@
     <p:sldMasterId id="2147483648" r:id="rId1"/>
   </p:sldMasterIdLst>
   <p:sldIdLst>
-    <p:sldId id="256" r:id="rId7"/>
-    <p:sldId id="257" r:id="rId8"/>
-    <p:sldId id="258" r:id="rId9"/>
-    <p:sldId id="259" r:id="rId10"/>
-    <p:sldId id="260" r:id="rId11"/>
-    <p:sldId id="261" r:id="rId12"/>
-    <p:sldId id="262" r:id="rId13"/>
-    <p:sldId id="263" r:id="rId14"/>
-    <p:sldId id="264" r:id="rId15"/>
+    <p:sldId id="256" r:id="rId2"/>
+    <p:sldId id="257" r:id="rId3"/>
+    <p:sldId id="258" r:id="rId4"/>
+    <p:sldId id="259" r:id="rId5"/>
+    <p:sldId id="266" r:id="rId6"/>
+    <p:sldId id="265" r:id="rId7"/>
+    <p:sldId id="267" r:id="rId8"/>
+    <p:sldId id="268" r:id="rId9"/>
+    <p:sldId id="263" r:id="rId10"/>
+    <p:sldId id="269" r:id="rId11"/>
+    <p:sldId id="264" r:id="rId12"/>
   </p:sldIdLst>
   <p:sldSz cx="9144000" cy="6858000" type="screen4x3"/>
   <p:notesSz cx="6858000" cy="9144000"/>
@@ -112,6 +114,22 @@
       </a:defRPr>
     </a:lvl9pPr>
   </p:defaultTextStyle>
+  <p:extLst>
+    <p:ext uri="{EFAFB233-063F-42B5-8137-9DF3F51BA10A}">
+      <p15:sldGuideLst xmlns:p15="http://schemas.microsoft.com/office/powerpoint/2012/main">
+        <p15:guide id="1" orient="horz" pos="2160">
+          <p15:clr>
+            <a:srgbClr val="A4A3A4"/>
+          </p15:clr>
+        </p15:guide>
+        <p15:guide id="2" pos="2880">
+          <p15:clr>
+            <a:srgbClr val="A4A3A4"/>
+          </p15:clr>
+        </p15:guide>
+      </p15:sldGuideLst>
+    </p:ext>
+  </p:extLst>
 </p:presentation>
 </file>
 
@@ -153,10 +171,9 @@
           <a:lstStyle/>
           <a:p>
             <a:r>
-              <a:rPr lang="en-US" smtClean="0"/>
+              <a:rPr lang="en-US"/>
               <a:t>Click to edit Master title style</a:t>
             </a:r>
-            <a:endParaRPr lang="en-US"/>
           </a:p>
         </p:txBody>
       </p:sp>
@@ -272,10 +289,9 @@
           </a:lstStyle>
           <a:p>
             <a:r>
-              <a:rPr lang="en-US" smtClean="0"/>
+              <a:rPr lang="en-US"/>
               <a:t>Click to edit Master subtitle style</a:t>
             </a:r>
-            <a:endParaRPr lang="en-US"/>
           </a:p>
         </p:txBody>
       </p:sp>
@@ -296,7 +312,7 @@
           <a:p>
             <a:fld id="{5BCAD085-E8A6-8845-BD4E-CB4CCA059FC4}" type="datetimeFigureOut">
               <a:rPr lang="en-US" smtClean="0"/>
-              <a:t>1/27/13</a:t>
+              <a:t>12/11/2024</a:t>
             </a:fld>
             <a:endParaRPr lang="en-US"/>
           </a:p>
@@ -390,10 +406,9 @@
           <a:lstStyle/>
           <a:p>
             <a:r>
-              <a:rPr lang="en-US" smtClean="0"/>
+              <a:rPr lang="en-US"/>
               <a:t>Click to edit Master title style</a:t>
             </a:r>
-            <a:endParaRPr lang="en-US"/>
           </a:p>
         </p:txBody>
       </p:sp>
@@ -414,38 +429,37 @@
           <a:p>
             <a:pPr lvl="0"/>
             <a:r>
-              <a:rPr lang="en-US" smtClean="0"/>
+              <a:rPr lang="en-US"/>
               <a:t>Click to edit Master text styles</a:t>
             </a:r>
           </a:p>
           <a:p>
             <a:pPr lvl="1"/>
             <a:r>
-              <a:rPr lang="en-US" smtClean="0"/>
+              <a:rPr lang="en-US"/>
               <a:t>Second level</a:t>
             </a:r>
           </a:p>
           <a:p>
             <a:pPr lvl="2"/>
             <a:r>
-              <a:rPr lang="en-US" smtClean="0"/>
+              <a:rPr lang="en-US"/>
               <a:t>Third level</a:t>
             </a:r>
           </a:p>
           <a:p>
             <a:pPr lvl="3"/>
             <a:r>
-              <a:rPr lang="en-US" smtClean="0"/>
+              <a:rPr lang="en-US"/>
               <a:t>Fourth level</a:t>
             </a:r>
           </a:p>
           <a:p>
             <a:pPr lvl="4"/>
             <a:r>
-              <a:rPr lang="en-US" smtClean="0"/>
+              <a:rPr lang="en-US"/>
               <a:t>Fifth level</a:t>
             </a:r>
-            <a:endParaRPr lang="en-US"/>
           </a:p>
         </p:txBody>
       </p:sp>
@@ -466,7 +480,7 @@
           <a:p>
             <a:fld id="{5BCAD085-E8A6-8845-BD4E-CB4CCA059FC4}" type="datetimeFigureOut">
               <a:rPr lang="en-US" smtClean="0"/>
-              <a:t>1/27/13</a:t>
+              <a:t>12/11/2024</a:t>
             </a:fld>
             <a:endParaRPr lang="en-US"/>
           </a:p>
@@ -565,10 +579,9 @@
           <a:lstStyle/>
           <a:p>
             <a:r>
-              <a:rPr lang="en-US" smtClean="0"/>
+              <a:rPr lang="en-US"/>
               <a:t>Click to edit Master title style</a:t>
             </a:r>
-            <a:endParaRPr lang="en-US"/>
           </a:p>
         </p:txBody>
       </p:sp>
@@ -594,38 +607,37 @@
           <a:p>
             <a:pPr lvl="0"/>
             <a:r>
-              <a:rPr lang="en-US" smtClean="0"/>
+              <a:rPr lang="en-US"/>
               <a:t>Click to edit Master text styles</a:t>
             </a:r>
           </a:p>
           <a:p>
             <a:pPr lvl="1"/>
             <a:r>
-              <a:rPr lang="en-US" smtClean="0"/>
+              <a:rPr lang="en-US"/>
               <a:t>Second level</a:t>
             </a:r>
           </a:p>
           <a:p>
             <a:pPr lvl="2"/>
             <a:r>
-              <a:rPr lang="en-US" smtClean="0"/>
+              <a:rPr lang="en-US"/>
               <a:t>Third level</a:t>
             </a:r>
           </a:p>
           <a:p>
             <a:pPr lvl="3"/>
             <a:r>
-              <a:rPr lang="en-US" smtClean="0"/>
+              <a:rPr lang="en-US"/>
               <a:t>Fourth level</a:t>
             </a:r>
           </a:p>
           <a:p>
             <a:pPr lvl="4"/>
             <a:r>
-              <a:rPr lang="en-US" smtClean="0"/>
+              <a:rPr lang="en-US"/>
               <a:t>Fifth level</a:t>
             </a:r>
-            <a:endParaRPr lang="en-US"/>
           </a:p>
         </p:txBody>
       </p:sp>
@@ -646,7 +658,7 @@
           <a:p>
             <a:fld id="{5BCAD085-E8A6-8845-BD4E-CB4CCA059FC4}" type="datetimeFigureOut">
               <a:rPr lang="en-US" smtClean="0"/>
-              <a:t>1/27/13</a:t>
+              <a:t>12/11/2024</a:t>
             </a:fld>
             <a:endParaRPr lang="en-US"/>
           </a:p>
@@ -740,10 +752,9 @@
           <a:lstStyle/>
           <a:p>
             <a:r>
-              <a:rPr lang="en-US" smtClean="0"/>
+              <a:rPr lang="en-US"/>
               <a:t>Click to edit Master title style</a:t>
             </a:r>
-            <a:endParaRPr lang="en-US"/>
           </a:p>
         </p:txBody>
       </p:sp>
@@ -764,38 +775,37 @@
           <a:p>
             <a:pPr lvl="0"/>
             <a:r>
-              <a:rPr lang="en-US" smtClean="0"/>
+              <a:rPr lang="en-US"/>
               <a:t>Click to edit Master text styles</a:t>
             </a:r>
           </a:p>
           <a:p>
             <a:pPr lvl="1"/>
             <a:r>
-              <a:rPr lang="en-US" smtClean="0"/>
+              <a:rPr lang="en-US"/>
               <a:t>Second level</a:t>
             </a:r>
           </a:p>
           <a:p>
             <a:pPr lvl="2"/>
             <a:r>
-              <a:rPr lang="en-US" smtClean="0"/>
+              <a:rPr lang="en-US"/>
               <a:t>Third level</a:t>
             </a:r>
           </a:p>
           <a:p>
             <a:pPr lvl="3"/>
             <a:r>
-              <a:rPr lang="en-US" smtClean="0"/>
+              <a:rPr lang="en-US"/>
               <a:t>Fourth level</a:t>
             </a:r>
           </a:p>
           <a:p>
             <a:pPr lvl="4"/>
             <a:r>
-              <a:rPr lang="en-US" smtClean="0"/>
+              <a:rPr lang="en-US"/>
               <a:t>Fifth level</a:t>
             </a:r>
-            <a:endParaRPr lang="en-US"/>
           </a:p>
         </p:txBody>
       </p:sp>
@@ -816,7 +826,7 @@
           <a:p>
             <a:fld id="{5BCAD085-E8A6-8845-BD4E-CB4CCA059FC4}" type="datetimeFigureOut">
               <a:rPr lang="en-US" smtClean="0"/>
-              <a:t>1/27/13</a:t>
+              <a:t>12/11/2024</a:t>
             </a:fld>
             <a:endParaRPr lang="en-US"/>
           </a:p>
@@ -919,10 +929,9 @@
           </a:lstStyle>
           <a:p>
             <a:r>
-              <a:rPr lang="en-US" smtClean="0"/>
+              <a:rPr lang="en-US"/>
               <a:t>Click to edit Master title style</a:t>
             </a:r>
-            <a:endParaRPr lang="en-US"/>
           </a:p>
         </p:txBody>
       </p:sp>
@@ -1039,7 +1048,7 @@
           <a:p>
             <a:pPr lvl="0"/>
             <a:r>
-              <a:rPr lang="en-US" smtClean="0"/>
+              <a:rPr lang="en-US"/>
               <a:t>Click to edit Master text styles</a:t>
             </a:r>
           </a:p>
@@ -1062,7 +1071,7 @@
           <a:p>
             <a:fld id="{5BCAD085-E8A6-8845-BD4E-CB4CCA059FC4}" type="datetimeFigureOut">
               <a:rPr lang="en-US" smtClean="0"/>
-              <a:t>1/27/13</a:t>
+              <a:t>12/11/2024</a:t>
             </a:fld>
             <a:endParaRPr lang="en-US"/>
           </a:p>
@@ -1156,10 +1165,9 @@
           <a:lstStyle/>
           <a:p>
             <a:r>
-              <a:rPr lang="en-US" smtClean="0"/>
+              <a:rPr lang="en-US"/>
               <a:t>Click to edit Master title style</a:t>
             </a:r>
-            <a:endParaRPr lang="en-US"/>
           </a:p>
         </p:txBody>
       </p:sp>
@@ -1213,38 +1221,37 @@
           <a:p>
             <a:pPr lvl="0"/>
             <a:r>
-              <a:rPr lang="en-US" smtClean="0"/>
+              <a:rPr lang="en-US"/>
               <a:t>Click to edit Master text styles</a:t>
             </a:r>
           </a:p>
           <a:p>
             <a:pPr lvl="1"/>
             <a:r>
-              <a:rPr lang="en-US" smtClean="0"/>
+              <a:rPr lang="en-US"/>
               <a:t>Second level</a:t>
             </a:r>
           </a:p>
           <a:p>
             <a:pPr lvl="2"/>
             <a:r>
-              <a:rPr lang="en-US" smtClean="0"/>
+              <a:rPr lang="en-US"/>
               <a:t>Third level</a:t>
             </a:r>
           </a:p>
           <a:p>
             <a:pPr lvl="3"/>
             <a:r>
-              <a:rPr lang="en-US" smtClean="0"/>
+              <a:rPr lang="en-US"/>
               <a:t>Fourth level</a:t>
             </a:r>
           </a:p>
           <a:p>
             <a:pPr lvl="4"/>
             <a:r>
-              <a:rPr lang="en-US" smtClean="0"/>
+              <a:rPr lang="en-US"/>
               <a:t>Fifth level</a:t>
             </a:r>
-            <a:endParaRPr lang="en-US"/>
           </a:p>
         </p:txBody>
       </p:sp>
@@ -1298,38 +1305,37 @@
           <a:p>
             <a:pPr lvl="0"/>
             <a:r>
-              <a:rPr lang="en-US" smtClean="0"/>
+              <a:rPr lang="en-US"/>
               <a:t>Click to edit Master text styles</a:t>
             </a:r>
           </a:p>
           <a:p>
             <a:pPr lvl="1"/>
             <a:r>
-              <a:rPr lang="en-US" smtClean="0"/>
+              <a:rPr lang="en-US"/>
               <a:t>Second level</a:t>
             </a:r>
           </a:p>
           <a:p>
             <a:pPr lvl="2"/>
             <a:r>
-              <a:rPr lang="en-US" smtClean="0"/>
+              <a:rPr lang="en-US"/>
               <a:t>Third level</a:t>
             </a:r>
           </a:p>
           <a:p>
             <a:pPr lvl="3"/>
             <a:r>
-              <a:rPr lang="en-US" smtClean="0"/>
+              <a:rPr lang="en-US"/>
               <a:t>Fourth level</a:t>
             </a:r>
           </a:p>
           <a:p>
             <a:pPr lvl="4"/>
             <a:r>
-              <a:rPr lang="en-US" smtClean="0"/>
+              <a:rPr lang="en-US"/>
               <a:t>Fifth level</a:t>
             </a:r>
-            <a:endParaRPr lang="en-US"/>
           </a:p>
         </p:txBody>
       </p:sp>
@@ -1350,7 +1356,7 @@
           <a:p>
             <a:fld id="{5BCAD085-E8A6-8845-BD4E-CB4CCA059FC4}" type="datetimeFigureOut">
               <a:rPr lang="en-US" smtClean="0"/>
-              <a:t>1/27/13</a:t>
+              <a:t>12/11/2024</a:t>
             </a:fld>
             <a:endParaRPr lang="en-US"/>
           </a:p>
@@ -1448,10 +1454,9 @@
           </a:lstStyle>
           <a:p>
             <a:r>
-              <a:rPr lang="en-US" smtClean="0"/>
+              <a:rPr lang="en-US"/>
               <a:t>Click to edit Master title style</a:t>
             </a:r>
-            <a:endParaRPr lang="en-US"/>
           </a:p>
         </p:txBody>
       </p:sp>
@@ -1514,7 +1519,7 @@
           <a:p>
             <a:pPr lvl="0"/>
             <a:r>
-              <a:rPr lang="en-US" smtClean="0"/>
+              <a:rPr lang="en-US"/>
               <a:t>Click to edit Master text styles</a:t>
             </a:r>
           </a:p>
@@ -1570,38 +1575,37 @@
           <a:p>
             <a:pPr lvl="0"/>
             <a:r>
-              <a:rPr lang="en-US" smtClean="0"/>
+              <a:rPr lang="en-US"/>
               <a:t>Click to edit Master text styles</a:t>
             </a:r>
           </a:p>
           <a:p>
             <a:pPr lvl="1"/>
             <a:r>
-              <a:rPr lang="en-US" smtClean="0"/>
+              <a:rPr lang="en-US"/>
               <a:t>Second level</a:t>
             </a:r>
           </a:p>
           <a:p>
             <a:pPr lvl="2"/>
             <a:r>
-              <a:rPr lang="en-US" smtClean="0"/>
+              <a:rPr lang="en-US"/>
               <a:t>Third level</a:t>
             </a:r>
           </a:p>
           <a:p>
             <a:pPr lvl="3"/>
             <a:r>
-              <a:rPr lang="en-US" smtClean="0"/>
+              <a:rPr lang="en-US"/>
               <a:t>Fourth level</a:t>
             </a:r>
           </a:p>
           <a:p>
             <a:pPr lvl="4"/>
             <a:r>
-              <a:rPr lang="en-US" smtClean="0"/>
+              <a:rPr lang="en-US"/>
               <a:t>Fifth level</a:t>
             </a:r>
-            <a:endParaRPr lang="en-US"/>
           </a:p>
         </p:txBody>
       </p:sp>
@@ -1664,7 +1668,7 @@
           <a:p>
             <a:pPr lvl="0"/>
             <a:r>
-              <a:rPr lang="en-US" smtClean="0"/>
+              <a:rPr lang="en-US"/>
               <a:t>Click to edit Master text styles</a:t>
             </a:r>
           </a:p>
@@ -1720,38 +1724,37 @@
           <a:p>
             <a:pPr lvl="0"/>
             <a:r>
-              <a:rPr lang="en-US" smtClean="0"/>
+              <a:rPr lang="en-US"/>
               <a:t>Click to edit Master text styles</a:t>
             </a:r>
           </a:p>
           <a:p>
             <a:pPr lvl="1"/>
             <a:r>
-              <a:rPr lang="en-US" smtClean="0"/>
+              <a:rPr lang="en-US"/>
               <a:t>Second level</a:t>
             </a:r>
           </a:p>
           <a:p>
             <a:pPr lvl="2"/>
             <a:r>
-              <a:rPr lang="en-US" smtClean="0"/>
+              <a:rPr lang="en-US"/>
               <a:t>Third level</a:t>
             </a:r>
           </a:p>
           <a:p>
             <a:pPr lvl="3"/>
             <a:r>
-              <a:rPr lang="en-US" smtClean="0"/>
+              <a:rPr lang="en-US"/>
               <a:t>Fourth level</a:t>
             </a:r>
           </a:p>
           <a:p>
             <a:pPr lvl="4"/>
             <a:r>
-              <a:rPr lang="en-US" smtClean="0"/>
+              <a:rPr lang="en-US"/>
               <a:t>Fifth level</a:t>
             </a:r>
-            <a:endParaRPr lang="en-US"/>
           </a:p>
         </p:txBody>
       </p:sp>
@@ -1772,7 +1775,7 @@
           <a:p>
             <a:fld id="{5BCAD085-E8A6-8845-BD4E-CB4CCA059FC4}" type="datetimeFigureOut">
               <a:rPr lang="en-US" smtClean="0"/>
-              <a:t>1/27/13</a:t>
+              <a:t>12/11/2024</a:t>
             </a:fld>
             <a:endParaRPr lang="en-US"/>
           </a:p>
@@ -1866,10 +1869,9 @@
           <a:lstStyle/>
           <a:p>
             <a:r>
-              <a:rPr lang="en-US" smtClean="0"/>
+              <a:rPr lang="en-US"/>
               <a:t>Click to edit Master title style</a:t>
             </a:r>
-            <a:endParaRPr lang="en-US"/>
           </a:p>
         </p:txBody>
       </p:sp>
@@ -1890,7 +1892,7 @@
           <a:p>
             <a:fld id="{5BCAD085-E8A6-8845-BD4E-CB4CCA059FC4}" type="datetimeFigureOut">
               <a:rPr lang="en-US" smtClean="0"/>
-              <a:t>1/27/13</a:t>
+              <a:t>12/11/2024</a:t>
             </a:fld>
             <a:endParaRPr lang="en-US"/>
           </a:p>
@@ -1985,7 +1987,7 @@
           <a:p>
             <a:fld id="{5BCAD085-E8A6-8845-BD4E-CB4CCA059FC4}" type="datetimeFigureOut">
               <a:rPr lang="en-US" smtClean="0"/>
-              <a:t>1/27/13</a:t>
+              <a:t>12/11/2024</a:t>
             </a:fld>
             <a:endParaRPr lang="en-US"/>
           </a:p>
@@ -2088,10 +2090,9 @@
           </a:lstStyle>
           <a:p>
             <a:r>
-              <a:rPr lang="en-US" smtClean="0"/>
+              <a:rPr lang="en-US"/>
               <a:t>Click to edit Master title style</a:t>
             </a:r>
-            <a:endParaRPr lang="en-US"/>
           </a:p>
         </p:txBody>
       </p:sp>
@@ -2145,38 +2146,37 @@
           <a:p>
             <a:pPr lvl="0"/>
             <a:r>
-              <a:rPr lang="en-US" smtClean="0"/>
+              <a:rPr lang="en-US"/>
               <a:t>Click to edit Master text styles</a:t>
             </a:r>
           </a:p>
           <a:p>
             <a:pPr lvl="1"/>
             <a:r>
-              <a:rPr lang="en-US" smtClean="0"/>
+              <a:rPr lang="en-US"/>
               <a:t>Second level</a:t>
             </a:r>
           </a:p>
           <a:p>
             <a:pPr lvl="2"/>
             <a:r>
-              <a:rPr lang="en-US" smtClean="0"/>
+              <a:rPr lang="en-US"/>
               <a:t>Third level</a:t>
             </a:r>
           </a:p>
           <a:p>
             <a:pPr lvl="3"/>
             <a:r>
-              <a:rPr lang="en-US" smtClean="0"/>
+              <a:rPr lang="en-US"/>
               <a:t>Fourth level</a:t>
             </a:r>
           </a:p>
           <a:p>
             <a:pPr lvl="4"/>
             <a:r>
-              <a:rPr lang="en-US" smtClean="0"/>
+              <a:rPr lang="en-US"/>
               <a:t>Fifth level</a:t>
             </a:r>
-            <a:endParaRPr lang="en-US"/>
           </a:p>
         </p:txBody>
       </p:sp>
@@ -2239,7 +2239,7 @@
           <a:p>
             <a:pPr lvl="0"/>
             <a:r>
-              <a:rPr lang="en-US" smtClean="0"/>
+              <a:rPr lang="en-US"/>
               <a:t>Click to edit Master text styles</a:t>
             </a:r>
           </a:p>
@@ -2262,7 +2262,7 @@
           <a:p>
             <a:fld id="{5BCAD085-E8A6-8845-BD4E-CB4CCA059FC4}" type="datetimeFigureOut">
               <a:rPr lang="en-US" smtClean="0"/>
-              <a:t>1/27/13</a:t>
+              <a:t>12/11/2024</a:t>
             </a:fld>
             <a:endParaRPr lang="en-US"/>
           </a:p>
@@ -2365,10 +2365,9 @@
           </a:lstStyle>
           <a:p>
             <a:r>
-              <a:rPr lang="en-US" smtClean="0"/>
+              <a:rPr lang="en-US"/>
               <a:t>Click to edit Master title style</a:t>
             </a:r>
-            <a:endParaRPr lang="en-US"/>
           </a:p>
         </p:txBody>
       </p:sp>
@@ -2492,7 +2491,7 @@
           <a:p>
             <a:pPr lvl="0"/>
             <a:r>
-              <a:rPr lang="en-US" smtClean="0"/>
+              <a:rPr lang="en-US"/>
               <a:t>Click to edit Master text styles</a:t>
             </a:r>
           </a:p>
@@ -2515,7 +2514,7 @@
           <a:p>
             <a:fld id="{5BCAD085-E8A6-8845-BD4E-CB4CCA059FC4}" type="datetimeFigureOut">
               <a:rPr lang="en-US" smtClean="0"/>
-              <a:t>1/27/13</a:t>
+              <a:t>12/11/2024</a:t>
             </a:fld>
             <a:endParaRPr lang="en-US"/>
           </a:p>
@@ -2624,10 +2623,9 @@
           <a:lstStyle/>
           <a:p>
             <a:r>
-              <a:rPr lang="en-US" smtClean="0"/>
+              <a:rPr lang="en-US"/>
               <a:t>Click to edit Master title style</a:t>
             </a:r>
-            <a:endParaRPr lang="en-US"/>
           </a:p>
         </p:txBody>
       </p:sp>
@@ -2658,38 +2656,37 @@
           <a:p>
             <a:pPr lvl="0"/>
             <a:r>
-              <a:rPr lang="en-US" smtClean="0"/>
+              <a:rPr lang="en-US"/>
               <a:t>Click to edit Master text styles</a:t>
             </a:r>
           </a:p>
           <a:p>
             <a:pPr lvl="1"/>
             <a:r>
-              <a:rPr lang="en-US" smtClean="0"/>
+              <a:rPr lang="en-US"/>
               <a:t>Second level</a:t>
             </a:r>
           </a:p>
           <a:p>
             <a:pPr lvl="2"/>
             <a:r>
-              <a:rPr lang="en-US" smtClean="0"/>
+              <a:rPr lang="en-US"/>
               <a:t>Third level</a:t>
             </a:r>
           </a:p>
           <a:p>
             <a:pPr lvl="3"/>
             <a:r>
-              <a:rPr lang="en-US" smtClean="0"/>
+              <a:rPr lang="en-US"/>
               <a:t>Fourth level</a:t>
             </a:r>
           </a:p>
           <a:p>
             <a:pPr lvl="4"/>
             <a:r>
-              <a:rPr lang="en-US" smtClean="0"/>
+              <a:rPr lang="en-US"/>
               <a:t>Fifth level</a:t>
             </a:r>
-            <a:endParaRPr lang="en-US"/>
           </a:p>
         </p:txBody>
       </p:sp>
@@ -2728,7 +2725,7 @@
           <a:p>
             <a:fld id="{5BCAD085-E8A6-8845-BD4E-CB4CCA059FC4}" type="datetimeFigureOut">
               <a:rPr lang="en-US" smtClean="0"/>
-              <a:t>1/27/13</a:t>
+              <a:t>12/11/2024</a:t>
             </a:fld>
             <a:endParaRPr lang="en-US"/>
           </a:p>
@@ -3087,7 +3084,7 @@
 </file>
 
 <file path=ppt/slides/slide1.xml><?xml version="1.0" encoding="utf-8"?>
-<p:sld xmlns:a="http://schemas.openxmlformats.org/drawingml/2006/main" xmlns:p="http://schemas.openxmlformats.org/presentationml/2006/main" xmlns:r="http://schemas.openxmlformats.org/officeDocument/2006/relationships">
+<p:sld xmlns:a="http://schemas.openxmlformats.org/drawingml/2006/main" xmlns:r="http://schemas.openxmlformats.org/officeDocument/2006/relationships" xmlns:p="http://schemas.openxmlformats.org/presentationml/2006/main">
   <p:cSld>
     <p:spTree>
       <p:nvGrpSpPr>
@@ -3095,7 +3092,14 @@
         <p:cNvGrpSpPr/>
         <p:nvPr/>
       </p:nvGrpSpPr>
-      <p:grpSpPr/>
+      <p:grpSpPr>
+        <a:xfrm>
+          <a:off x="0" y="0"/>
+          <a:ext cx="0" cy="0"/>
+          <a:chOff x="0" y="0"/>
+          <a:chExt cx="0" cy="0"/>
+        </a:xfrm>
+      </p:grpSpPr>
       <p:sp>
         <p:nvSpPr>
           <p:cNvPr id="2" name="Title 1"/>
@@ -3108,7 +3112,9 @@
         </p:nvSpPr>
         <p:spPr/>
         <p:txBody>
-          <a:bodyPr/>
+          <a:bodyPr>
+            <a:normAutofit fontScale="90000"/>
+          </a:bodyPr>
           <a:lstStyle/>
           <a:p>
             <a:r>
@@ -3134,6 +3140,265 @@
           <a:p>
             <a:r>
               <a:t>A Comparative Analysis for New York Life</a:t>
+            </a:r>
+          </a:p>
+        </p:txBody>
+      </p:sp>
+    </p:spTree>
+  </p:cSld>
+  <p:clrMapOvr>
+    <a:masterClrMapping/>
+  </p:clrMapOvr>
+</p:sld>
+</file>
+
+<file path=ppt/slides/slide10.xml><?xml version="1.0" encoding="utf-8"?>
+<p:sld xmlns:a="http://schemas.openxmlformats.org/drawingml/2006/main" xmlns:r="http://schemas.openxmlformats.org/officeDocument/2006/relationships" xmlns:p="http://schemas.openxmlformats.org/presentationml/2006/main">
+  <p:cSld>
+    <p:spTree>
+      <p:nvGrpSpPr>
+        <p:cNvPr id="1" name=""/>
+        <p:cNvGrpSpPr/>
+        <p:nvPr/>
+      </p:nvGrpSpPr>
+      <p:grpSpPr>
+        <a:xfrm>
+          <a:off x="0" y="0"/>
+          <a:ext cx="0" cy="0"/>
+          <a:chOff x="0" y="0"/>
+          <a:chExt cx="0" cy="0"/>
+        </a:xfrm>
+      </p:grpSpPr>
+      <p:sp>
+        <p:nvSpPr>
+          <p:cNvPr id="2" name="Title 1"/>
+          <p:cNvSpPr>
+            <a:spLocks noGrp="1"/>
+          </p:cNvSpPr>
+          <p:nvPr>
+            <p:ph type="title"/>
+          </p:nvPr>
+        </p:nvSpPr>
+        <p:spPr/>
+        <p:txBody>
+          <a:bodyPr/>
+          <a:lstStyle/>
+          <a:p>
+            <a:r>
+              <a:t>Conclusion</a:t>
+            </a:r>
+          </a:p>
+        </p:txBody>
+      </p:sp>
+      <p:sp>
+        <p:nvSpPr>
+          <p:cNvPr id="3" name="Content Placeholder 2"/>
+          <p:cNvSpPr>
+            <a:spLocks noGrp="1"/>
+          </p:cNvSpPr>
+          <p:nvPr>
+            <p:ph idx="1"/>
+          </p:nvPr>
+        </p:nvSpPr>
+        <p:spPr/>
+        <p:txBody>
+          <a:bodyPr>
+            <a:normAutofit fontScale="70000" lnSpcReduction="20000"/>
+          </a:bodyPr>
+          <a:lstStyle/>
+          <a:p>
+            <a:pPr marL="0" indent="0">
+              <a:buNone/>
+            </a:pPr>
+            <a:r>
+              <a:rPr dirty="0"/>
+              <a:t>FAST automation </a:t>
+            </a:r>
+            <a:endParaRPr lang="en-US" dirty="0"/>
+          </a:p>
+          <a:p>
+            <a:r>
+              <a:rPr lang="en-US" dirty="0"/>
+              <a:t>Essential for </a:t>
+            </a:r>
+            <a:r>
+              <a:rPr dirty="0"/>
+              <a:t>backend</a:t>
+            </a:r>
+            <a:r>
+              <a:rPr lang="en-US" dirty="0"/>
+              <a:t> validation, business logic testing,</a:t>
+            </a:r>
+            <a:r>
+              <a:rPr dirty="0"/>
+              <a:t> and API </a:t>
+            </a:r>
+            <a:r>
+              <a:rPr lang="en-US" dirty="0"/>
+              <a:t>calls</a:t>
+            </a:r>
+            <a:r>
+              <a:rPr dirty="0"/>
+              <a:t>.</a:t>
+            </a:r>
+          </a:p>
+          <a:p>
+            <a:pPr marL="0" indent="0">
+              <a:buNone/>
+            </a:pPr>
+            <a:endParaRPr lang="en-US" dirty="0"/>
+          </a:p>
+          <a:p>
+            <a:pPr marL="0" indent="0">
+              <a:buNone/>
+            </a:pPr>
+            <a:r>
+              <a:rPr dirty="0"/>
+              <a:t>Selenium UI automation</a:t>
+            </a:r>
+            <a:endParaRPr lang="en-US" dirty="0"/>
+          </a:p>
+          <a:p>
+            <a:r>
+              <a:rPr dirty="0"/>
+              <a:t> </a:t>
+            </a:r>
+            <a:r>
+              <a:rPr lang="en-US" dirty="0"/>
+              <a:t>Vital for ensuring the frontend is functional, user-friendly and visually consistent.</a:t>
+            </a:r>
+          </a:p>
+          <a:p>
+            <a:pPr marL="0" indent="0">
+              <a:buNone/>
+            </a:pPr>
+            <a:endParaRPr lang="en-US" dirty="0"/>
+          </a:p>
+          <a:p>
+            <a:pPr marL="0" indent="0">
+              <a:buNone/>
+            </a:pPr>
+            <a:r>
+              <a:rPr lang="en-US" dirty="0"/>
+              <a:t>Recommendation</a:t>
+            </a:r>
+            <a:endParaRPr dirty="0"/>
+          </a:p>
+          <a:p>
+            <a:r>
+              <a:rPr lang="en-US" dirty="0"/>
+              <a:t>Utilize b</a:t>
+            </a:r>
+            <a:r>
+              <a:rPr dirty="0"/>
+              <a:t>oth </a:t>
+            </a:r>
+            <a:r>
+              <a:rPr lang="en-US" dirty="0"/>
+              <a:t>automation strategies as complementary efforts to achieve robust testing coverage</a:t>
+            </a:r>
+          </a:p>
+          <a:p>
+            <a:r>
+              <a:rPr lang="en-US" dirty="0"/>
+              <a:t>Avoid blind spots by leveraging FAST for backend testing and Selenium for frontend testing </a:t>
+            </a:r>
+            <a:endParaRPr dirty="0"/>
+          </a:p>
+        </p:txBody>
+      </p:sp>
+    </p:spTree>
+    <p:extLst>
+      <p:ext uri="{BB962C8B-B14F-4D97-AF65-F5344CB8AC3E}">
+        <p14:creationId xmlns:p14="http://schemas.microsoft.com/office/powerpoint/2010/main" val="1532913207"/>
+      </p:ext>
+    </p:extLst>
+  </p:cSld>
+  <p:clrMapOvr>
+    <a:masterClrMapping/>
+  </p:clrMapOvr>
+</p:sld>
+</file>
+
+<file path=ppt/slides/slide11.xml><?xml version="1.0" encoding="utf-8"?>
+<p:sld xmlns:a="http://schemas.openxmlformats.org/drawingml/2006/main" xmlns:r="http://schemas.openxmlformats.org/officeDocument/2006/relationships" xmlns:p="http://schemas.openxmlformats.org/presentationml/2006/main">
+  <p:cSld>
+    <p:spTree>
+      <p:nvGrpSpPr>
+        <p:cNvPr id="1" name=""/>
+        <p:cNvGrpSpPr/>
+        <p:nvPr/>
+      </p:nvGrpSpPr>
+      <p:grpSpPr>
+        <a:xfrm>
+          <a:off x="0" y="0"/>
+          <a:ext cx="0" cy="0"/>
+          <a:chOff x="0" y="0"/>
+          <a:chExt cx="0" cy="0"/>
+        </a:xfrm>
+      </p:grpSpPr>
+      <p:sp>
+        <p:nvSpPr>
+          <p:cNvPr id="2" name="Title 1"/>
+          <p:cNvSpPr>
+            <a:spLocks noGrp="1"/>
+          </p:cNvSpPr>
+          <p:nvPr>
+            <p:ph type="title"/>
+          </p:nvPr>
+        </p:nvSpPr>
+        <p:spPr/>
+        <p:txBody>
+          <a:bodyPr/>
+          <a:lstStyle/>
+          <a:p>
+            <a:r>
+              <a:rPr dirty="0">
+                <a:highlight>
+                  <a:srgbClr val="FFFF00"/>
+                </a:highlight>
+              </a:rPr>
+              <a:t>Conclusion</a:t>
+            </a:r>
+          </a:p>
+        </p:txBody>
+      </p:sp>
+      <p:sp>
+        <p:nvSpPr>
+          <p:cNvPr id="3" name="Content Placeholder 2"/>
+          <p:cNvSpPr>
+            <a:spLocks noGrp="1"/>
+          </p:cNvSpPr>
+          <p:nvPr>
+            <p:ph idx="1"/>
+          </p:nvPr>
+        </p:nvSpPr>
+        <p:spPr/>
+        <p:txBody>
+          <a:bodyPr/>
+          <a:lstStyle/>
+          <a:p>
+            <a:r>
+              <a:rPr dirty="0"/>
+              <a:t>FAST automation focuses on backend and API testing.</a:t>
+            </a:r>
+          </a:p>
+          <a:p>
+            <a:r>
+              <a:rPr dirty="0"/>
+              <a:t>Selenium UI automation validates the frontend for user experience.</a:t>
+            </a:r>
+          </a:p>
+          <a:p>
+            <a:r>
+              <a:rPr dirty="0"/>
+              <a:t>Both are complementary and necessary for robust testing.</a:t>
+            </a:r>
+          </a:p>
+          <a:p>
+            <a:r>
+              <a:rPr dirty="0"/>
+              <a:t>Recommendation: Leverage both strategies for comprehensive quality assurance.</a:t>
             </a:r>
           </a:p>
         </p:txBody>
@@ -3147,7 +3412,7 @@
 </file>
 
 <file path=ppt/slides/slide2.xml><?xml version="1.0" encoding="utf-8"?>
-<p:sld xmlns:a="http://schemas.openxmlformats.org/drawingml/2006/main" xmlns:p="http://schemas.openxmlformats.org/presentationml/2006/main" xmlns:r="http://schemas.openxmlformats.org/officeDocument/2006/relationships">
+<p:sld xmlns:a="http://schemas.openxmlformats.org/drawingml/2006/main" xmlns:r="http://schemas.openxmlformats.org/officeDocument/2006/relationships" xmlns:p="http://schemas.openxmlformats.org/presentationml/2006/main">
   <p:cSld>
     <p:spTree>
       <p:nvGrpSpPr>
@@ -3155,7 +3420,14 @@
         <p:cNvGrpSpPr/>
         <p:nvPr/>
       </p:nvGrpSpPr>
-      <p:grpSpPr/>
+      <p:grpSpPr>
+        <a:xfrm>
+          <a:off x="0" y="0"/>
+          <a:ext cx="0" cy="0"/>
+          <a:chOff x="0" y="0"/>
+          <a:chExt cx="0" cy="0"/>
+        </a:xfrm>
+      </p:grpSpPr>
       <p:sp>
         <p:nvSpPr>
           <p:cNvPr id="2" name="Title 1"/>
@@ -3189,11 +3461,24 @@
         </p:nvSpPr>
         <p:spPr/>
         <p:txBody>
-          <a:bodyPr/>
-          <a:lstStyle/>
-          <a:p>
-            <a:r>
-              <a:t>New York Life (NYL) is implementing the FAST application to replace their legacy system. This presentation clarifies the necessity of UI testing using Selenium alongside FAST's built-in automation.</a:t>
+          <a:bodyPr>
+            <a:normAutofit fontScale="92500"/>
+          </a:bodyPr>
+          <a:lstStyle/>
+          <a:p>
+            <a:r>
+              <a:rPr dirty="0"/>
+              <a:t>New York Life (NYL) is implementing the FAST application to replace their legacy system. </a:t>
+            </a:r>
+            <a:r>
+              <a:rPr lang="en-US" dirty="0"/>
+              <a:t>The FAST team has an existing built-in automation suite that leverages XML-based payloads for web service/API calls. Meanwhile, the RL QA team tasked with UI testing with Selenium and TestNG.</a:t>
+            </a:r>
+          </a:p>
+          <a:p>
+            <a:r>
+              <a:rPr dirty="0"/>
+              <a:t>This presentation clarifies the necessity of UI testing using Selenium alongside FAST's built-in automation.</a:t>
             </a:r>
           </a:p>
         </p:txBody>
@@ -3207,7 +3492,7 @@
 </file>
 
 <file path=ppt/slides/slide3.xml><?xml version="1.0" encoding="utf-8"?>
-<p:sld xmlns:a="http://schemas.openxmlformats.org/drawingml/2006/main" xmlns:p="http://schemas.openxmlformats.org/presentationml/2006/main" xmlns:r="http://schemas.openxmlformats.org/officeDocument/2006/relationships">
+<p:sld xmlns:a="http://schemas.openxmlformats.org/drawingml/2006/main" xmlns:r="http://schemas.openxmlformats.org/officeDocument/2006/relationships" xmlns:p="http://schemas.openxmlformats.org/presentationml/2006/main">
   <p:cSld>
     <p:spTree>
       <p:nvGrpSpPr>
@@ -3215,7 +3500,14 @@
         <p:cNvGrpSpPr/>
         <p:nvPr/>
       </p:nvGrpSpPr>
-      <p:grpSpPr/>
+      <p:grpSpPr>
+        <a:xfrm>
+          <a:off x="0" y="0"/>
+          <a:ext cx="0" cy="0"/>
+          <a:chOff x="0" y="0"/>
+          <a:chExt cx="0" cy="0"/>
+        </a:xfrm>
+      </p:grpSpPr>
       <p:sp>
         <p:nvSpPr>
           <p:cNvPr id="2" name="Title 1"/>
@@ -3249,21 +3541,62 @@
         </p:nvSpPr>
         <p:spPr/>
         <p:txBody>
-          <a:bodyPr/>
-          <a:lstStyle/>
-          <a:p>
-            <a:r>
-              <a:t>- Explain differences between FAST’s built-in automation and Selenium UI automation.</a:t>
-            </a:r>
-          </a:p>
-          <a:p>
-            <a:r>
-              <a:t>- Highlight the unique benefits of each approach.</a:t>
-            </a:r>
-          </a:p>
-          <a:p>
-            <a:r>
-              <a:t>- Justify the need for UI testing to complement FAST automation.</a:t>
+          <a:bodyPr>
+            <a:normAutofit lnSpcReduction="10000"/>
+          </a:bodyPr>
+          <a:lstStyle/>
+          <a:p>
+            <a:r>
+              <a:rPr dirty="0"/>
+              <a:t>Explain </a:t>
+            </a:r>
+            <a:r>
+              <a:rPr lang="en-US" dirty="0"/>
+              <a:t>the </a:t>
+            </a:r>
+            <a:r>
+              <a:rPr dirty="0"/>
+              <a:t>differences between FAST’s built-in automation and Selenium UI automation.</a:t>
+            </a:r>
+          </a:p>
+          <a:p>
+            <a:r>
+              <a:rPr dirty="0"/>
+              <a:t>Highlight the unique benefits </a:t>
+            </a:r>
+            <a:r>
+              <a:rPr lang="en-US" dirty="0"/>
+              <a:t>and importance </a:t>
+            </a:r>
+            <a:r>
+              <a:rPr dirty="0"/>
+              <a:t>of each approach.</a:t>
+            </a:r>
+            <a:endParaRPr lang="en-US" dirty="0"/>
+          </a:p>
+          <a:p>
+            <a:r>
+              <a:rPr lang="en-US" dirty="0">
+                <a:highlight>
+                  <a:srgbClr val="FFFF00"/>
+                </a:highlight>
+              </a:rPr>
+              <a:t>Demonstrate why UI automation is not redundant but complementary to the FAST Automation</a:t>
+            </a:r>
+            <a:endParaRPr dirty="0">
+              <a:highlight>
+                <a:srgbClr val="FFFF00"/>
+              </a:highlight>
+            </a:endParaRPr>
+          </a:p>
+          <a:p>
+            <a:r>
+              <a:rPr dirty="0">
+                <a:highlight>
+                  <a:srgbClr val="FFFF00"/>
+                </a:highlight>
+              </a:rPr>
+              <a:t>Justify the need for UI testing to complement FAST automation.</a:t>
             </a:r>
           </a:p>
         </p:txBody>
@@ -3277,7 +3610,7 @@
 </file>
 
 <file path=ppt/slides/slide4.xml><?xml version="1.0" encoding="utf-8"?>
-<p:sld xmlns:a="http://schemas.openxmlformats.org/drawingml/2006/main" xmlns:p="http://schemas.openxmlformats.org/presentationml/2006/main" xmlns:r="http://schemas.openxmlformats.org/officeDocument/2006/relationships">
+<p:sld xmlns:a="http://schemas.openxmlformats.org/drawingml/2006/main" xmlns:r="http://schemas.openxmlformats.org/officeDocument/2006/relationships" xmlns:p="http://schemas.openxmlformats.org/presentationml/2006/main">
   <p:cSld>
     <p:spTree>
       <p:nvGrpSpPr>
@@ -3285,7 +3618,14 @@
         <p:cNvGrpSpPr/>
         <p:nvPr/>
       </p:nvGrpSpPr>
-      <p:grpSpPr/>
+      <p:grpSpPr>
+        <a:xfrm>
+          <a:off x="0" y="0"/>
+          <a:ext cx="0" cy="0"/>
+          <a:chOff x="0" y="0"/>
+          <a:chExt cx="0" cy="0"/>
+        </a:xfrm>
+      </p:grpSpPr>
       <p:sp>
         <p:nvSpPr>
           <p:cNvPr id="2" name="Title 1"/>
@@ -3319,21 +3659,137 @@
         </p:nvSpPr>
         <p:spPr/>
         <p:txBody>
-          <a:bodyPr/>
-          <a:lstStyle/>
-          <a:p>
-            <a:r>
-              <a:t>- Operates at the API/web service level using XML payloads.</a:t>
-            </a:r>
-          </a:p>
-          <a:p>
-            <a:r>
-              <a:t>- Focuses on backend logic validation.</a:t>
-            </a:r>
-          </a:p>
-          <a:p>
-            <a:r>
-              <a:t>- No coverage for UI functionality, visual aspects, or real-world user simulation.</a:t>
+          <a:bodyPr>
+            <a:noAutofit/>
+          </a:bodyPr>
+          <a:lstStyle/>
+          <a:p>
+            <a:pPr marL="0" indent="0">
+              <a:buNone/>
+            </a:pPr>
+            <a:r>
+              <a:rPr lang="en-US" sz="1600" dirty="0"/>
+              <a:t>Approach</a:t>
+            </a:r>
+            <a:endParaRPr lang="en-US" sz="1500" dirty="0"/>
+          </a:p>
+          <a:p>
+            <a:r>
+              <a:rPr sz="1500" dirty="0"/>
+              <a:t>Operates at the API/web service level using XML payloads.</a:t>
+            </a:r>
+            <a:endParaRPr lang="en-US" sz="1500" dirty="0"/>
+          </a:p>
+          <a:p>
+            <a:r>
+              <a:rPr lang="en-US" sz="1500" dirty="0"/>
+              <a:t>Executes transactions and validates outcomes programmatically</a:t>
+            </a:r>
+          </a:p>
+          <a:p>
+            <a:pPr marL="0" indent="0">
+              <a:buNone/>
+            </a:pPr>
+            <a:r>
+              <a:rPr lang="en-US" sz="1500" dirty="0"/>
+              <a:t>Capabilities</a:t>
+            </a:r>
+            <a:endParaRPr sz="1500" dirty="0"/>
+          </a:p>
+          <a:p>
+            <a:r>
+              <a:rPr lang="en-US" sz="1500" dirty="0"/>
+              <a:t>Test Case creation with conditions and expected values</a:t>
+            </a:r>
+          </a:p>
+          <a:p>
+            <a:r>
+              <a:rPr lang="en-US" sz="1500" dirty="0"/>
+              <a:t>Execution of test suites with XML payloads</a:t>
+            </a:r>
+          </a:p>
+          <a:p>
+            <a:r>
+              <a:rPr lang="en-US" sz="1500" dirty="0"/>
+              <a:t>Analyzes results for any failures in backend logic.</a:t>
+            </a:r>
+          </a:p>
+          <a:p>
+            <a:pPr marL="0" indent="0">
+              <a:buNone/>
+            </a:pPr>
+            <a:r>
+              <a:rPr lang="en-US" sz="1500" dirty="0"/>
+              <a:t>Focus Area</a:t>
+            </a:r>
+          </a:p>
+          <a:p>
+            <a:r>
+              <a:rPr lang="en-US" sz="1500" dirty="0"/>
+              <a:t>Backend logic validation</a:t>
+            </a:r>
+          </a:p>
+          <a:p>
+            <a:r>
+              <a:rPr lang="en-US" sz="1500" dirty="0"/>
+              <a:t>Functional coverage of API layers</a:t>
+            </a:r>
+          </a:p>
+          <a:p>
+            <a:r>
+              <a:rPr lang="en-US" sz="1500" dirty="0"/>
+              <a:t>Validation of data flow between components</a:t>
+            </a:r>
+          </a:p>
+          <a:p>
+            <a:pPr marL="0" indent="0">
+              <a:buNone/>
+            </a:pPr>
+            <a:r>
+              <a:rPr lang="en-US" sz="1500" dirty="0"/>
+              <a:t>Limitations</a:t>
+            </a:r>
+          </a:p>
+          <a:p>
+            <a:r>
+              <a:rPr sz="1500" dirty="0"/>
+              <a:t>No coverage for UI functionality</a:t>
+            </a:r>
+            <a:r>
+              <a:rPr lang="en-US" sz="1500" dirty="0"/>
+              <a:t> or user workflows</a:t>
+            </a:r>
+          </a:p>
+          <a:p>
+            <a:r>
+              <a:rPr lang="en-US" sz="1500" dirty="0"/>
+              <a:t>Unable to verify</a:t>
+            </a:r>
+            <a:r>
+              <a:rPr sz="1500" dirty="0"/>
+              <a:t> visual aspects</a:t>
+            </a:r>
+            <a:r>
+              <a:rPr lang="en-US" sz="1500" dirty="0"/>
+              <a:t> like alignment, responsiveness,</a:t>
+            </a:r>
+            <a:r>
+              <a:rPr sz="1500" dirty="0"/>
+              <a:t> or</a:t>
+            </a:r>
+            <a:r>
+              <a:rPr lang="en-US" sz="1500" dirty="0"/>
+              <a:t> interactivity</a:t>
+            </a:r>
+          </a:p>
+          <a:p>
+            <a:r>
+              <a:rPr lang="en-US" sz="1500" dirty="0"/>
+              <a:t>Lack of</a:t>
+            </a:r>
+            <a:r>
+              <a:rPr sz="1500" dirty="0"/>
+              <a:t> real-world user simulation.</a:t>
             </a:r>
           </a:p>
         </p:txBody>
@@ -3347,7 +3803,7 @@
 </file>
 
 <file path=ppt/slides/slide5.xml><?xml version="1.0" encoding="utf-8"?>
-<p:sld xmlns:a="http://schemas.openxmlformats.org/drawingml/2006/main" xmlns:p="http://schemas.openxmlformats.org/presentationml/2006/main" xmlns:r="http://schemas.openxmlformats.org/officeDocument/2006/relationships">
+<p:sld xmlns:a="http://schemas.openxmlformats.org/drawingml/2006/main" xmlns:r="http://schemas.openxmlformats.org/officeDocument/2006/relationships" xmlns:p="http://schemas.openxmlformats.org/presentationml/2006/main">
   <p:cSld>
     <p:spTree>
       <p:nvGrpSpPr>
@@ -3355,7 +3811,14 @@
         <p:cNvGrpSpPr/>
         <p:nvPr/>
       </p:nvGrpSpPr>
-      <p:grpSpPr/>
+      <p:grpSpPr>
+        <a:xfrm>
+          <a:off x="0" y="0"/>
+          <a:ext cx="0" cy="0"/>
+          <a:chOff x="0" y="0"/>
+          <a:chExt cx="0" cy="0"/>
+        </a:xfrm>
+      </p:grpSpPr>
       <p:sp>
         <p:nvSpPr>
           <p:cNvPr id="2" name="Title 1"/>
@@ -3372,8 +3835,10 @@
           <a:lstStyle/>
           <a:p>
             <a:r>
+              <a:rPr lang="en-US" dirty="0"/>
               <a:t>Selenium UI Automation Overview</a:t>
             </a:r>
+            <a:endParaRPr dirty="0"/>
           </a:p>
         </p:txBody>
       </p:sp>
@@ -3389,26 +3854,127 @@
         </p:nvSpPr>
         <p:spPr/>
         <p:txBody>
-          <a:bodyPr/>
-          <a:lstStyle/>
-          <a:p>
-            <a:r>
-              <a:t>- Simulates real user interactions with the UI.</a:t>
-            </a:r>
-          </a:p>
-          <a:p>
-            <a:r>
-              <a:t>- Validates end-to-end workflows and user-facing functionality.</a:t>
-            </a:r>
-          </a:p>
-          <a:p>
-            <a:r>
-              <a:t>- Ensures multi-browser and device compatibility.</a:t>
-            </a:r>
+          <a:bodyPr>
+            <a:noAutofit/>
+          </a:bodyPr>
+          <a:lstStyle/>
+          <a:p>
+            <a:pPr marL="0" indent="0">
+              <a:buNone/>
+            </a:pPr>
+            <a:r>
+              <a:rPr lang="en-US" sz="1600" dirty="0"/>
+              <a:t>Approach</a:t>
+            </a:r>
+            <a:endParaRPr lang="en-US" sz="1500" dirty="0"/>
+          </a:p>
+          <a:p>
+            <a:r>
+              <a:rPr sz="1500" dirty="0"/>
+              <a:t>Operates </a:t>
+            </a:r>
+            <a:r>
+              <a:rPr lang="en-US" sz="1500" dirty="0"/>
+              <a:t>by simulating real user interactions with the UI</a:t>
+            </a:r>
+          </a:p>
+          <a:p>
+            <a:r>
+              <a:rPr lang="en-US" sz="1500" dirty="0"/>
+              <a:t>Automates browser actions like clicking buttons, filling forms and navigating pages.</a:t>
+            </a:r>
+          </a:p>
+          <a:p>
+            <a:pPr marL="0" indent="0">
+              <a:buNone/>
+            </a:pPr>
+            <a:r>
+              <a:rPr lang="en-US" sz="1500" dirty="0"/>
+              <a:t>Capabilities</a:t>
+            </a:r>
+            <a:endParaRPr sz="1500" dirty="0"/>
+          </a:p>
+          <a:p>
+            <a:r>
+              <a:rPr lang="en-US" sz="1500" dirty="0"/>
+              <a:t>End to End Workflow validation</a:t>
+            </a:r>
+          </a:p>
+          <a:p>
+            <a:r>
+              <a:rPr lang="en-US" sz="1500" dirty="0"/>
+              <a:t>Verifies user facing functionality and UI behavior</a:t>
+            </a:r>
+          </a:p>
+          <a:p>
+            <a:r>
+              <a:rPr lang="en-US" sz="1500" dirty="0"/>
+              <a:t>Ensures visual and usability aspects are intact</a:t>
+            </a:r>
+          </a:p>
+          <a:p>
+            <a:pPr marL="0" indent="0">
+              <a:buNone/>
+            </a:pPr>
+            <a:r>
+              <a:rPr lang="en-US" sz="1500" dirty="0"/>
+              <a:t>Focus Area</a:t>
+            </a:r>
+          </a:p>
+          <a:p>
+            <a:r>
+              <a:rPr lang="en-US" sz="1500" dirty="0"/>
+              <a:t>Frontend validation and user journey testing</a:t>
+            </a:r>
+          </a:p>
+          <a:p>
+            <a:r>
+              <a:rPr lang="en-US" sz="1500" dirty="0"/>
+              <a:t>Catching issues that impact end users (e.g., broken buttons, incorrect layouts)</a:t>
+            </a:r>
+          </a:p>
+          <a:p>
+            <a:r>
+              <a:rPr lang="en-US" sz="1500" dirty="0"/>
+              <a:t>Browser and device compatibility testing</a:t>
+            </a:r>
+          </a:p>
+          <a:p>
+            <a:pPr marL="0" indent="0">
+              <a:buNone/>
+            </a:pPr>
+            <a:r>
+              <a:rPr lang="en-US" sz="1500" dirty="0"/>
+              <a:t>Limitations</a:t>
+            </a:r>
+          </a:p>
+          <a:p>
+            <a:r>
+              <a:rPr lang="en-US" sz="1500" dirty="0"/>
+              <a:t>Dependent on UI stability; fragile tests if UI changes frequently</a:t>
+            </a:r>
+          </a:p>
+          <a:p>
+            <a:r>
+              <a:rPr lang="en-US" sz="1500" dirty="0"/>
+              <a:t>Slower than API testing</a:t>
+            </a:r>
+          </a:p>
+          <a:p>
+            <a:r>
+              <a:rPr lang="en-US" sz="1500" dirty="0"/>
+              <a:t>Primarily functional, not focused on backend logic</a:t>
+            </a:r>
+            <a:endParaRPr sz="1500" dirty="0"/>
           </a:p>
         </p:txBody>
       </p:sp>
     </p:spTree>
+    <p:extLst>
+      <p:ext uri="{BB962C8B-B14F-4D97-AF65-F5344CB8AC3E}">
+        <p14:creationId xmlns:p14="http://schemas.microsoft.com/office/powerpoint/2010/main" val="4114169121"/>
+      </p:ext>
+    </p:extLst>
   </p:cSld>
   <p:clrMapOvr>
     <a:masterClrMapping/>
@@ -3417,7 +3983,7 @@
 </file>
 
 <file path=ppt/slides/slide6.xml><?xml version="1.0" encoding="utf-8"?>
-<p:sld xmlns:a="http://schemas.openxmlformats.org/drawingml/2006/main" xmlns:p="http://schemas.openxmlformats.org/presentationml/2006/main" xmlns:r="http://schemas.openxmlformats.org/officeDocument/2006/relationships">
+<p:sld xmlns:a="http://schemas.openxmlformats.org/drawingml/2006/main" xmlns:r="http://schemas.openxmlformats.org/officeDocument/2006/relationships" xmlns:p="http://schemas.openxmlformats.org/presentationml/2006/main">
   <p:cSld>
     <p:spTree>
       <p:nvGrpSpPr>
@@ -3425,7 +3991,14 @@
         <p:cNvGrpSpPr/>
         <p:nvPr/>
       </p:nvGrpSpPr>
-      <p:grpSpPr/>
+      <p:grpSpPr>
+        <a:xfrm>
+          <a:off x="0" y="0"/>
+          <a:ext cx="0" cy="0"/>
+          <a:chOff x="0" y="0"/>
+          <a:chExt cx="0" cy="0"/>
+        </a:xfrm>
+      </p:grpSpPr>
       <p:sp>
         <p:nvSpPr>
           <p:cNvPr id="2" name="Title 1"/>
@@ -3447,49 +4020,392 @@
           </a:p>
         </p:txBody>
       </p:sp>
-      <p:sp>
-        <p:nvSpPr>
-          <p:cNvPr id="3" name="Content Placeholder 2"/>
-          <p:cNvSpPr>
-            <a:spLocks noGrp="1"/>
-          </p:cNvSpPr>
+      <p:graphicFrame>
+        <p:nvGraphicFramePr>
+          <p:cNvPr id="6" name="Content Placeholder 5">
+            <a:extLst>
+              <a:ext uri="{FF2B5EF4-FFF2-40B4-BE49-F238E27FC236}">
+                <a16:creationId xmlns:a16="http://schemas.microsoft.com/office/drawing/2014/main" id="{DF78DFE2-1BE4-90E5-1C36-9A7715ED4C5A}"/>
+              </a:ext>
+            </a:extLst>
+          </p:cNvPr>
+          <p:cNvGraphicFramePr>
+            <a:graphicFrameLocks noGrp="1"/>
+          </p:cNvGraphicFramePr>
           <p:nvPr>
             <p:ph idx="1"/>
-          </p:nvPr>
-        </p:nvSpPr>
-        <p:spPr/>
-        <p:txBody>
-          <a:bodyPr/>
-          <a:lstStyle/>
-          <a:p>
-            <a:r>
-              <a:t>| Aspect                | FAST Built-in Automation    | Selenium UI Automation           |</a:t>
-            </a:r>
-          </a:p>
-          <a:p>
-            <a:r>
-              <a:t>|-----------------------|-----------------------------|-----------------------------------|</a:t>
-            </a:r>
-          </a:p>
-          <a:p>
-            <a:r>
-              <a:t>| Scope                | Backend/API functionality    | Frontend/UI functionality         |</a:t>
-            </a:r>
-          </a:p>
-          <a:p>
-            <a:r>
-              <a:t>| Focus                | Data integrity, logic        | User interaction, workflows       |</a:t>
-            </a:r>
-          </a:p>
-          <a:p>
-            <a:r>
-              <a:t>| Real-world Testing   | Limited                     | Simulates user behavior           |</a:t>
-            </a:r>
-          </a:p>
-          <a:p/>
-        </p:txBody>
-      </p:sp>
+            <p:extLst>
+              <p:ext uri="{D42A27DB-BD31-4B8C-83A1-F6EECF244321}">
+                <p14:modId xmlns:p14="http://schemas.microsoft.com/office/powerpoint/2010/main" val="2316129121"/>
+              </p:ext>
+            </p:extLst>
+          </p:nvPr>
+        </p:nvGraphicFramePr>
+        <p:xfrm>
+          <a:off x="457200" y="1600200"/>
+          <a:ext cx="8229600" cy="4211320"/>
+        </p:xfrm>
+        <a:graphic>
+          <a:graphicData uri="http://schemas.openxmlformats.org/drawingml/2006/table">
+            <a:tbl>
+              <a:tblPr firstRow="1" bandRow="1">
+                <a:tableStyleId>{5C22544A-7EE6-4342-B048-85BDC9FD1C3A}</a:tableStyleId>
+              </a:tblPr>
+              <a:tblGrid>
+                <a:gridCol w="2743200">
+                  <a:extLst>
+                    <a:ext uri="{9D8B030D-6E8A-4147-A177-3AD203B41FA5}">
+                      <a16:colId xmlns:a16="http://schemas.microsoft.com/office/drawing/2014/main" val="2973172661"/>
+                    </a:ext>
+                  </a:extLst>
+                </a:gridCol>
+                <a:gridCol w="2743200">
+                  <a:extLst>
+                    <a:ext uri="{9D8B030D-6E8A-4147-A177-3AD203B41FA5}">
+                      <a16:colId xmlns:a16="http://schemas.microsoft.com/office/drawing/2014/main" val="2315823172"/>
+                    </a:ext>
+                  </a:extLst>
+                </a:gridCol>
+                <a:gridCol w="2743200">
+                  <a:extLst>
+                    <a:ext uri="{9D8B030D-6E8A-4147-A177-3AD203B41FA5}">
+                      <a16:colId xmlns:a16="http://schemas.microsoft.com/office/drawing/2014/main" val="1248032329"/>
+                    </a:ext>
+                  </a:extLst>
+                </a:gridCol>
+              </a:tblGrid>
+              <a:tr h="370840">
+                <a:tc>
+                  <a:txBody>
+                    <a:bodyPr/>
+                    <a:lstStyle/>
+                    <a:p>
+                      <a:r>
+                        <a:rPr lang="en-US" dirty="0"/>
+                        <a:t>Aspect</a:t>
+                      </a:r>
+                    </a:p>
+                  </a:txBody>
+                  <a:tcPr/>
+                </a:tc>
+                <a:tc>
+                  <a:txBody>
+                    <a:bodyPr/>
+                    <a:lstStyle/>
+                    <a:p>
+                      <a:r>
+                        <a:rPr lang="en-US" dirty="0"/>
+                        <a:t>FAST Built-in Automation</a:t>
+                      </a:r>
+                    </a:p>
+                  </a:txBody>
+                  <a:tcPr/>
+                </a:tc>
+                <a:tc>
+                  <a:txBody>
+                    <a:bodyPr/>
+                    <a:lstStyle/>
+                    <a:p>
+                      <a:r>
+                        <a:rPr lang="en-US" dirty="0"/>
+                        <a:t>Selenium UI Automation</a:t>
+                      </a:r>
+                    </a:p>
+                  </a:txBody>
+                  <a:tcPr/>
+                </a:tc>
+                <a:extLst>
+                  <a:ext uri="{0D108BD9-81ED-4DB2-BD59-A6C34878D82A}">
+                    <a16:rowId xmlns:a16="http://schemas.microsoft.com/office/drawing/2014/main" val="868613025"/>
+                  </a:ext>
+                </a:extLst>
+              </a:tr>
+              <a:tr h="370840">
+                <a:tc>
+                  <a:txBody>
+                    <a:bodyPr/>
+                    <a:lstStyle/>
+                    <a:p>
+                      <a:r>
+                        <a:rPr lang="en-US" dirty="0"/>
+                        <a:t>Scope</a:t>
+                      </a:r>
+                    </a:p>
+                  </a:txBody>
+                  <a:tcPr/>
+                </a:tc>
+                <a:tc>
+                  <a:txBody>
+                    <a:bodyPr/>
+                    <a:lstStyle/>
+                    <a:p>
+                      <a:r>
+                        <a:rPr lang="en-US" dirty="0"/>
+                        <a:t>Backend and API Functionality</a:t>
+                      </a:r>
+                    </a:p>
+                  </a:txBody>
+                  <a:tcPr/>
+                </a:tc>
+                <a:tc>
+                  <a:txBody>
+                    <a:bodyPr/>
+                    <a:lstStyle/>
+                    <a:p>
+                      <a:r>
+                        <a:rPr lang="en-US" dirty="0"/>
+                        <a:t>Frontend and UI Functionality</a:t>
+                      </a:r>
+                    </a:p>
+                  </a:txBody>
+                  <a:tcPr/>
+                </a:tc>
+                <a:extLst>
+                  <a:ext uri="{0D108BD9-81ED-4DB2-BD59-A6C34878D82A}">
+                    <a16:rowId xmlns:a16="http://schemas.microsoft.com/office/drawing/2014/main" val="711512298"/>
+                  </a:ext>
+                </a:extLst>
+              </a:tr>
+              <a:tr h="370840">
+                <a:tc>
+                  <a:txBody>
+                    <a:bodyPr/>
+                    <a:lstStyle/>
+                    <a:p>
+                      <a:r>
+                        <a:rPr lang="en-US" dirty="0"/>
+                        <a:t>Focus</a:t>
+                      </a:r>
+                    </a:p>
+                  </a:txBody>
+                  <a:tcPr/>
+                </a:tc>
+                <a:tc>
+                  <a:txBody>
+                    <a:bodyPr/>
+                    <a:lstStyle/>
+                    <a:p>
+                      <a:r>
+                        <a:rPr lang="en-US" dirty="0"/>
+                        <a:t>Data integrity and API calls</a:t>
+                      </a:r>
+                    </a:p>
+                  </a:txBody>
+                  <a:tcPr/>
+                </a:tc>
+                <a:tc>
+                  <a:txBody>
+                    <a:bodyPr/>
+                    <a:lstStyle/>
+                    <a:p>
+                      <a:r>
+                        <a:rPr lang="en-US" dirty="0"/>
+                        <a:t>User interaction and workflows</a:t>
+                      </a:r>
+                    </a:p>
+                  </a:txBody>
+                  <a:tcPr/>
+                </a:tc>
+                <a:extLst>
+                  <a:ext uri="{0D108BD9-81ED-4DB2-BD59-A6C34878D82A}">
+                    <a16:rowId xmlns:a16="http://schemas.microsoft.com/office/drawing/2014/main" val="3978337911"/>
+                  </a:ext>
+                </a:extLst>
+              </a:tr>
+              <a:tr h="370840">
+                <a:tc>
+                  <a:txBody>
+                    <a:bodyPr/>
+                    <a:lstStyle/>
+                    <a:p>
+                      <a:r>
+                        <a:rPr lang="en-US" dirty="0"/>
+                        <a:t>Validation</a:t>
+                      </a:r>
+                    </a:p>
+                  </a:txBody>
+                  <a:tcPr/>
+                </a:tc>
+                <a:tc>
+                  <a:txBody>
+                    <a:bodyPr/>
+                    <a:lstStyle/>
+                    <a:p>
+                      <a:r>
+                        <a:rPr lang="en-US" dirty="0"/>
+                        <a:t>Business logic and data flow</a:t>
+                      </a:r>
+                    </a:p>
+                  </a:txBody>
+                  <a:tcPr/>
+                </a:tc>
+                <a:tc>
+                  <a:txBody>
+                    <a:bodyPr/>
+                    <a:lstStyle/>
+                    <a:p>
+                      <a:r>
+                        <a:rPr lang="en-US" dirty="0"/>
+                        <a:t>Visual elements and usability</a:t>
+                      </a:r>
+                    </a:p>
+                  </a:txBody>
+                  <a:tcPr/>
+                </a:tc>
+                <a:extLst>
+                  <a:ext uri="{0D108BD9-81ED-4DB2-BD59-A6C34878D82A}">
+                    <a16:rowId xmlns:a16="http://schemas.microsoft.com/office/drawing/2014/main" val="2333235032"/>
+                  </a:ext>
+                </a:extLst>
+              </a:tr>
+              <a:tr h="370840">
+                <a:tc>
+                  <a:txBody>
+                    <a:bodyPr/>
+                    <a:lstStyle/>
+                    <a:p>
+                      <a:r>
+                        <a:rPr lang="en-US" dirty="0"/>
+                        <a:t>Real-world Testing</a:t>
+                      </a:r>
+                    </a:p>
+                  </a:txBody>
+                  <a:tcPr/>
+                </a:tc>
+                <a:tc>
+                  <a:txBody>
+                    <a:bodyPr/>
+                    <a:lstStyle/>
+                    <a:p>
+                      <a:r>
+                        <a:rPr lang="en-US" dirty="0"/>
+                        <a:t>Limited (programmatic)</a:t>
+                      </a:r>
+                    </a:p>
+                  </a:txBody>
+                  <a:tcPr/>
+                </a:tc>
+                <a:tc>
+                  <a:txBody>
+                    <a:bodyPr/>
+                    <a:lstStyle/>
+                    <a:p>
+                      <a:r>
+                        <a:rPr lang="en-US" dirty="0"/>
+                        <a:t>High (Simulates user behavior)</a:t>
+                      </a:r>
+                    </a:p>
+                  </a:txBody>
+                  <a:tcPr/>
+                </a:tc>
+                <a:extLst>
+                  <a:ext uri="{0D108BD9-81ED-4DB2-BD59-A6C34878D82A}">
+                    <a16:rowId xmlns:a16="http://schemas.microsoft.com/office/drawing/2014/main" val="3636821671"/>
+                  </a:ext>
+                </a:extLst>
+              </a:tr>
+              <a:tr h="370840">
+                <a:tc>
+                  <a:txBody>
+                    <a:bodyPr/>
+                    <a:lstStyle/>
+                    <a:p>
+                      <a:r>
+                        <a:rPr lang="en-US" dirty="0"/>
+                        <a:t>Execution Speed</a:t>
+                      </a:r>
+                    </a:p>
+                  </a:txBody>
+                  <a:tcPr/>
+                </a:tc>
+                <a:tc>
+                  <a:txBody>
+                    <a:bodyPr/>
+                    <a:lstStyle/>
+                    <a:p>
+                      <a:r>
+                        <a:rPr lang="en-US" dirty="0"/>
+                        <a:t>Faster (API-level operations)</a:t>
+                      </a:r>
+                    </a:p>
+                  </a:txBody>
+                  <a:tcPr/>
+                </a:tc>
+                <a:tc>
+                  <a:txBody>
+                    <a:bodyPr/>
+                    <a:lstStyle/>
+                    <a:p>
+                      <a:r>
+                        <a:rPr lang="en-US" dirty="0"/>
+                        <a:t>Slower (UI rendering required)</a:t>
+                      </a:r>
+                    </a:p>
+                  </a:txBody>
+                  <a:tcPr/>
+                </a:tc>
+                <a:extLst>
+                  <a:ext uri="{0D108BD9-81ED-4DB2-BD59-A6C34878D82A}">
+                    <a16:rowId xmlns:a16="http://schemas.microsoft.com/office/drawing/2014/main" val="2692657188"/>
+                  </a:ext>
+                </a:extLst>
+              </a:tr>
+              <a:tr h="370840">
+                <a:tc>
+                  <a:txBody>
+                    <a:bodyPr/>
+                    <a:lstStyle/>
+                    <a:p>
+                      <a:r>
+                        <a:rPr lang="en-US" dirty="0"/>
+                        <a:t>Tool Dependency</a:t>
+                      </a:r>
+                    </a:p>
+                  </a:txBody>
+                  <a:tcPr/>
+                </a:tc>
+                <a:tc>
+                  <a:txBody>
+                    <a:bodyPr/>
+                    <a:lstStyle/>
+                    <a:p>
+                      <a:r>
+                        <a:rPr lang="en-US" dirty="0"/>
+                        <a:t>Built-in to FAST</a:t>
+                      </a:r>
+                    </a:p>
+                  </a:txBody>
+                  <a:tcPr/>
+                </a:tc>
+                <a:tc>
+                  <a:txBody>
+                    <a:bodyPr/>
+                    <a:lstStyle/>
+                    <a:p>
+                      <a:r>
+                        <a:rPr lang="en-US" dirty="0"/>
+                        <a:t>Requires external Tools (open source)</a:t>
+                      </a:r>
+                    </a:p>
+                  </a:txBody>
+                  <a:tcPr/>
+                </a:tc>
+                <a:extLst>
+                  <a:ext uri="{0D108BD9-81ED-4DB2-BD59-A6C34878D82A}">
+                    <a16:rowId xmlns:a16="http://schemas.microsoft.com/office/drawing/2014/main" val="136643512"/>
+                  </a:ext>
+                </a:extLst>
+              </a:tr>
+            </a:tbl>
+          </a:graphicData>
+        </a:graphic>
+      </p:graphicFrame>
     </p:spTree>
+    <p:extLst>
+      <p:ext uri="{BB962C8B-B14F-4D97-AF65-F5344CB8AC3E}">
+        <p14:creationId xmlns:p14="http://schemas.microsoft.com/office/powerpoint/2010/main" val="2424839252"/>
+      </p:ext>
+    </p:extLst>
   </p:cSld>
   <p:clrMapOvr>
     <a:masterClrMapping/>
@@ -3498,7 +4414,7 @@
 </file>
 
 <file path=ppt/slides/slide7.xml><?xml version="1.0" encoding="utf-8"?>
-<p:sld xmlns:a="http://schemas.openxmlformats.org/drawingml/2006/main" xmlns:p="http://schemas.openxmlformats.org/presentationml/2006/main" xmlns:r="http://schemas.openxmlformats.org/officeDocument/2006/relationships">
+<p:sld xmlns:a="http://schemas.openxmlformats.org/drawingml/2006/main" xmlns:r="http://schemas.openxmlformats.org/officeDocument/2006/relationships" xmlns:p="http://schemas.openxmlformats.org/presentationml/2006/main">
   <p:cSld>
     <p:spTree>
       <p:nvGrpSpPr>
@@ -3506,7 +4422,14 @@
         <p:cNvGrpSpPr/>
         <p:nvPr/>
       </p:nvGrpSpPr>
-      <p:grpSpPr/>
+      <p:grpSpPr>
+        <a:xfrm>
+          <a:off x="0" y="0"/>
+          <a:ext cx="0" cy="0"/>
+          <a:chOff x="0" y="0"/>
+          <a:chExt cx="0" cy="0"/>
+        </a:xfrm>
+      </p:grpSpPr>
       <p:sp>
         <p:nvSpPr>
           <p:cNvPr id="2" name="Title 1"/>
@@ -3523,8 +4446,10 @@
           <a:lstStyle/>
           <a:p>
             <a:r>
+              <a:rPr lang="en-US" dirty="0"/>
               <a:t>Why Both Are Necessary</a:t>
             </a:r>
+            <a:endParaRPr dirty="0"/>
           </a:p>
         </p:txBody>
       </p:sp>
@@ -3540,26 +4465,126 @@
         </p:nvSpPr>
         <p:spPr/>
         <p:txBody>
-          <a:bodyPr/>
-          <a:lstStyle/>
-          <a:p>
-            <a:r>
-              <a:t>- FAST automation validates backend logic, while Selenium ensures UI works for end users.</a:t>
-            </a:r>
-          </a:p>
-          <a:p>
-            <a:r>
-              <a:t>- Backend logic may work, but UI issues can hinder user experience.</a:t>
-            </a:r>
-          </a:p>
-          <a:p>
-            <a:r>
-              <a:t>- Together, they provide comprehensive test coverage and risk mitigation.</a:t>
-            </a:r>
+          <a:bodyPr>
+            <a:noAutofit/>
+          </a:bodyPr>
+          <a:lstStyle/>
+          <a:p>
+            <a:pPr marL="0" indent="0">
+              <a:buNone/>
+            </a:pPr>
+            <a:r>
+              <a:rPr lang="en-US" sz="1600" dirty="0"/>
+              <a:t>End to End Validation</a:t>
+            </a:r>
+            <a:endParaRPr lang="en-US" sz="1500" dirty="0"/>
+          </a:p>
+          <a:p>
+            <a:r>
+              <a:rPr lang="en-US" sz="1500" dirty="0"/>
+              <a:t>FAST automation covers backend logic; Selenium ensures the UI functions correctly for the end-user.</a:t>
+            </a:r>
+          </a:p>
+          <a:p>
+            <a:pPr marL="0" indent="0">
+              <a:buNone/>
+            </a:pPr>
+            <a:endParaRPr lang="en-US" sz="1500" dirty="0"/>
+          </a:p>
+          <a:p>
+            <a:pPr marL="0" indent="0">
+              <a:buNone/>
+            </a:pPr>
+            <a:r>
+              <a:rPr lang="en-US" sz="1500" dirty="0"/>
+              <a:t>User Experience Matters</a:t>
+            </a:r>
+            <a:endParaRPr sz="1500" dirty="0"/>
+          </a:p>
+          <a:p>
+            <a:r>
+              <a:rPr lang="en-US" sz="1500" dirty="0"/>
+              <a:t>Backend can work flawlessly, but a poor UI can result in dissatisfied users and lost business.</a:t>
+            </a:r>
+          </a:p>
+          <a:p>
+            <a:pPr marL="0" indent="0">
+              <a:buNone/>
+            </a:pPr>
+            <a:endParaRPr lang="en-US" sz="1500" dirty="0"/>
+          </a:p>
+          <a:p>
+            <a:pPr marL="0" indent="0">
+              <a:buNone/>
+            </a:pPr>
+            <a:r>
+              <a:rPr lang="en-US" sz="1500" dirty="0"/>
+              <a:t>Different Coverage Areas</a:t>
+            </a:r>
+          </a:p>
+          <a:p>
+            <a:r>
+              <a:rPr lang="en-US" sz="1500" dirty="0"/>
+              <a:t>FAST Automation cannot test:</a:t>
+            </a:r>
+          </a:p>
+          <a:p>
+            <a:pPr lvl="1"/>
+            <a:r>
+              <a:rPr lang="en-US" sz="1600" dirty="0"/>
+              <a:t>UI responsiveness and Layouts</a:t>
+            </a:r>
+          </a:p>
+          <a:p>
+            <a:pPr lvl="1"/>
+            <a:r>
+              <a:rPr lang="en-US" sz="1600" dirty="0"/>
+              <a:t>Real time user workflows and interactions</a:t>
+            </a:r>
+          </a:p>
+          <a:p>
+            <a:pPr lvl="1"/>
+            <a:r>
+              <a:rPr lang="en-US" sz="1600" dirty="0"/>
+              <a:t>Browser compatibility</a:t>
+            </a:r>
+          </a:p>
+          <a:p>
+            <a:pPr marL="0" indent="0">
+              <a:buNone/>
+            </a:pPr>
+            <a:endParaRPr lang="en-US" sz="1500" dirty="0"/>
+          </a:p>
+          <a:p>
+            <a:pPr marL="0" indent="0">
+              <a:buNone/>
+            </a:pPr>
+            <a:r>
+              <a:rPr lang="en-US" sz="1500" dirty="0"/>
+              <a:t>Risk Mitigation</a:t>
+            </a:r>
+          </a:p>
+          <a:p>
+            <a:r>
+              <a:rPr lang="en-US" sz="1500" dirty="0"/>
+              <a:t>Relying solely on FAST automation risks missing critical UI defects</a:t>
+            </a:r>
+          </a:p>
+          <a:p>
+            <a:r>
+              <a:rPr lang="en-US" sz="1500" dirty="0"/>
+              <a:t>Selenium catches user-facing issues before production</a:t>
+            </a:r>
+            <a:endParaRPr sz="1500" dirty="0"/>
           </a:p>
         </p:txBody>
       </p:sp>
     </p:spTree>
+    <p:extLst>
+      <p:ext uri="{BB962C8B-B14F-4D97-AF65-F5344CB8AC3E}">
+        <p14:creationId xmlns:p14="http://schemas.microsoft.com/office/powerpoint/2010/main" val="2133980511"/>
+      </p:ext>
+    </p:extLst>
   </p:cSld>
   <p:clrMapOvr>
     <a:masterClrMapping/>
@@ -3568,7 +4593,7 @@
 </file>
 
 <file path=ppt/slides/slide8.xml><?xml version="1.0" encoding="utf-8"?>
-<p:sld xmlns:a="http://schemas.openxmlformats.org/drawingml/2006/main" xmlns:p="http://schemas.openxmlformats.org/presentationml/2006/main" xmlns:r="http://schemas.openxmlformats.org/officeDocument/2006/relationships">
+<p:sld xmlns:a="http://schemas.openxmlformats.org/drawingml/2006/main" xmlns:r="http://schemas.openxmlformats.org/officeDocument/2006/relationships" xmlns:p="http://schemas.openxmlformats.org/presentationml/2006/main">
   <p:cSld>
     <p:spTree>
       <p:nvGrpSpPr>
@@ -3576,7 +4601,14 @@
         <p:cNvGrpSpPr/>
         <p:nvPr/>
       </p:nvGrpSpPr>
-      <p:grpSpPr/>
+      <p:grpSpPr>
+        <a:xfrm>
+          <a:off x="0" y="0"/>
+          <a:ext cx="0" cy="0"/>
+          <a:chOff x="0" y="0"/>
+          <a:chExt cx="0" cy="0"/>
+        </a:xfrm>
+      </p:grpSpPr>
       <p:sp>
         <p:nvSpPr>
           <p:cNvPr id="2" name="Title 1"/>
@@ -3589,12 +4621,16 @@
         </p:nvSpPr>
         <p:spPr/>
         <p:txBody>
-          <a:bodyPr/>
-          <a:lstStyle/>
-          <a:p>
-            <a:r>
+          <a:bodyPr>
+            <a:normAutofit fontScale="90000"/>
+          </a:bodyPr>
+          <a:lstStyle/>
+          <a:p>
+            <a:r>
+              <a:rPr lang="en-US" dirty="0"/>
               <a:t>Benefits of Selenium UI Automation</a:t>
             </a:r>
+            <a:endParaRPr dirty="0"/>
           </a:p>
         </p:txBody>
       </p:sp>
@@ -3610,31 +4646,125 @@
         </p:nvSpPr>
         <p:spPr/>
         <p:txBody>
-          <a:bodyPr/>
-          <a:lstStyle/>
-          <a:p>
-            <a:r>
-              <a:t>- Enhances user experience by catching UI-specific issues.</a:t>
-            </a:r>
-          </a:p>
-          <a:p>
-            <a:r>
-              <a:t>- Provides comprehensive end-to-end workflow validation.</a:t>
-            </a:r>
-          </a:p>
-          <a:p>
-            <a:r>
-              <a:t>- Ensures cross-browser and device compatibility.</a:t>
-            </a:r>
-          </a:p>
-          <a:p>
-            <a:r>
-              <a:t>- Improves customer satisfaction and adoption rates.</a:t>
-            </a:r>
+          <a:bodyPr>
+            <a:noAutofit/>
+          </a:bodyPr>
+          <a:lstStyle/>
+          <a:p>
+            <a:pPr marL="0" indent="0">
+              <a:buNone/>
+            </a:pPr>
+            <a:r>
+              <a:rPr lang="en-US" sz="1600" dirty="0"/>
+              <a:t>Enhanced User Experience</a:t>
+            </a:r>
+            <a:endParaRPr lang="en-US" sz="1500" dirty="0"/>
+          </a:p>
+          <a:p>
+            <a:r>
+              <a:rPr lang="en-US" sz="1500" dirty="0"/>
+              <a:t>Identifies issues like broken links, misaligned elements, or slow-loading pages</a:t>
+            </a:r>
+          </a:p>
+          <a:p>
+            <a:pPr marL="0" indent="0">
+              <a:buNone/>
+            </a:pPr>
+            <a:endParaRPr lang="en-US" sz="1500" dirty="0"/>
+          </a:p>
+          <a:p>
+            <a:pPr marL="0" indent="0">
+              <a:buNone/>
+            </a:pPr>
+            <a:r>
+              <a:rPr lang="en-US" sz="1500" dirty="0"/>
+              <a:t>Comprehensive Workflow Testing</a:t>
+            </a:r>
+            <a:endParaRPr sz="1500" dirty="0"/>
+          </a:p>
+          <a:p>
+            <a:r>
+              <a:rPr lang="en-US" sz="1500" dirty="0"/>
+              <a:t>Simulates real user interactions from login to logout, ensuring complete flow validation</a:t>
+            </a:r>
+          </a:p>
+          <a:p>
+            <a:pPr marL="0" indent="0">
+              <a:buNone/>
+            </a:pPr>
+            <a:endParaRPr lang="en-US" sz="1500" dirty="0"/>
+          </a:p>
+          <a:p>
+            <a:pPr marL="0" indent="0">
+              <a:buNone/>
+            </a:pPr>
+            <a:r>
+              <a:rPr lang="en-US" sz="1500" dirty="0">
+                <a:highlight>
+                  <a:srgbClr val="FFFF00"/>
+                </a:highlight>
+              </a:rPr>
+              <a:t>Cross – browser testing</a:t>
+            </a:r>
+          </a:p>
+          <a:p>
+            <a:r>
+              <a:rPr lang="en-US" sz="1500" dirty="0"/>
+              <a:t>Ensures consistency across different browsers and devices </a:t>
+            </a:r>
+          </a:p>
+          <a:p>
+            <a:endParaRPr lang="en-US" sz="1500" dirty="0"/>
+          </a:p>
+          <a:p>
+            <a:pPr marL="0" indent="0">
+              <a:buNone/>
+            </a:pPr>
+            <a:r>
+              <a:rPr lang="en-US" sz="1500" dirty="0"/>
+              <a:t>Customer Satisfaction</a:t>
+            </a:r>
+          </a:p>
+          <a:p>
+            <a:r>
+              <a:rPr lang="en-US" sz="1500" dirty="0"/>
+              <a:t>A polished UI leads to better adoption rates and user satisfaction</a:t>
+            </a:r>
+          </a:p>
+          <a:p>
+            <a:pPr marL="0" indent="0">
+              <a:buNone/>
+            </a:pPr>
+            <a:endParaRPr lang="en-US" sz="1500" dirty="0"/>
+          </a:p>
+          <a:p>
+            <a:pPr marL="0" indent="0">
+              <a:buNone/>
+            </a:pPr>
+            <a:r>
+              <a:rPr lang="en-US" sz="1500" dirty="0">
+                <a:highlight>
+                  <a:srgbClr val="FFFF00"/>
+                </a:highlight>
+              </a:rPr>
+              <a:t>Integration with Dev-Ops</a:t>
+            </a:r>
+          </a:p>
+          <a:p>
+            <a:r>
+              <a:rPr lang="en-US" sz="1500" dirty="0"/>
+              <a:t>Fits seamlessly into CI/CD pipelines, enabling continuous testing</a:t>
+            </a:r>
+            <a:endParaRPr sz="1500" dirty="0"/>
           </a:p>
         </p:txBody>
       </p:sp>
     </p:spTree>
+    <p:extLst>
+      <p:ext uri="{BB962C8B-B14F-4D97-AF65-F5344CB8AC3E}">
+        <p14:creationId xmlns:p14="http://schemas.microsoft.com/office/powerpoint/2010/main" val="504376493"/>
+      </p:ext>
+    </p:extLst>
   </p:cSld>
   <p:clrMapOvr>
     <a:masterClrMapping/>
@@ -3643,7 +4773,7 @@
 </file>
 
 <file path=ppt/slides/slide9.xml><?xml version="1.0" encoding="utf-8"?>
-<p:sld xmlns:a="http://schemas.openxmlformats.org/drawingml/2006/main" xmlns:p="http://schemas.openxmlformats.org/presentationml/2006/main" xmlns:r="http://schemas.openxmlformats.org/officeDocument/2006/relationships">
+<p:sld xmlns:a="http://schemas.openxmlformats.org/drawingml/2006/main" xmlns:r="http://schemas.openxmlformats.org/officeDocument/2006/relationships" xmlns:p="http://schemas.openxmlformats.org/presentationml/2006/main">
   <p:cSld>
     <p:spTree>
       <p:nvGrpSpPr>
@@ -3651,7 +4781,14 @@
         <p:cNvGrpSpPr/>
         <p:nvPr/>
       </p:nvGrpSpPr>
-      <p:grpSpPr/>
+      <p:grpSpPr>
+        <a:xfrm>
+          <a:off x="0" y="0"/>
+          <a:ext cx="0" cy="0"/>
+          <a:chOff x="0" y="0"/>
+          <a:chExt cx="0" cy="0"/>
+        </a:xfrm>
+      </p:grpSpPr>
       <p:sp>
         <p:nvSpPr>
           <p:cNvPr id="2" name="Title 1"/>
@@ -3664,11 +4801,18 @@
         </p:nvSpPr>
         <p:spPr/>
         <p:txBody>
-          <a:bodyPr/>
-          <a:lstStyle/>
-          <a:p>
-            <a:r>
-              <a:t>Conclusion</a:t>
+          <a:bodyPr>
+            <a:normAutofit fontScale="90000"/>
+          </a:bodyPr>
+          <a:lstStyle/>
+          <a:p>
+            <a:r>
+              <a:rPr dirty="0">
+                <a:highlight>
+                  <a:srgbClr val="FFFF00"/>
+                </a:highlight>
+              </a:rPr>
+              <a:t>Benefits of Selenium UI Automation</a:t>
             </a:r>
           </a:p>
         </p:txBody>
@@ -3689,22 +4833,26 @@
           <a:lstStyle/>
           <a:p>
             <a:r>
-              <a:t>- FAST automation focuses on backend and API testing.</a:t>
-            </a:r>
-          </a:p>
-          <a:p>
-            <a:r>
-              <a:t>- Selenium UI automation validates the frontend for user experience.</a:t>
-            </a:r>
-          </a:p>
-          <a:p>
-            <a:r>
-              <a:t>- Both are complementary and necessary for robust testing.</a:t>
-            </a:r>
-          </a:p>
-          <a:p>
-            <a:r>
-              <a:t>- Recommendation: Leverage both strategies for comprehensive quality assurance.</a:t>
+              <a:rPr dirty="0"/>
+              <a:t>Enhances user experience by catching UI-specific issues.</a:t>
+            </a:r>
+          </a:p>
+          <a:p>
+            <a:r>
+              <a:rPr dirty="0"/>
+              <a:t>Provides comprehensive end-to-end workflow validation.</a:t>
+            </a:r>
+          </a:p>
+          <a:p>
+            <a:r>
+              <a:rPr dirty="0"/>
+              <a:t>Ensures cross-browser and device compatibility.</a:t>
+            </a:r>
+          </a:p>
+          <a:p>
+            <a:r>
+              <a:rPr dirty="0"/>
+              <a:t>Improves customer satisfaction and adoption rates.</a:t>
             </a:r>
           </a:p>
         </p:txBody>
